--- a/skanajan/Texata Finals.pptx
+++ b/skanajan/Texata Finals.pptx
@@ -10,6 +10,7 @@
     <p:sldId id="258" r:id="rId5"/>
     <p:sldId id="259" r:id="rId6"/>
     <p:sldId id="260" r:id="rId7"/>
+    <p:sldId id="261" r:id="rId8"/>
   </p:sldIdLst>
   <p:sldSz cx="10080625" cy="7559675"/>
   <p:notesSz cx="7772400" cy="10058400"/>
@@ -1433,7 +1434,7 @@
           <a:bodyPr lIns="0" rIns="0" tIns="0" bIns="0"/>
           <a:p>
             <a:pPr algn="r"/>
-            <a:fld id="{D4EB0BCA-44CB-47D9-BB7C-68FF7BD029E1}" type="slidenum">
+            <a:fld id="{9184B5D4-F1D6-4E77-997E-D1EC360A38AE}" type="slidenum">
               <a:rPr lang="en-US" sz="1400">
                 <a:latin typeface="Times New Roman"/>
               </a:rPr>
@@ -1503,7 +1504,31 @@
               <a:rPr lang="en-US" sz="3200">
                 <a:latin typeface="Arial"/>
               </a:rPr>
-              <a:t>Information Retrieval in Tech Zone and CSC Content Using Latent Semantic Analysis</a:t>
+              <a:t>Helping the Help Desk Help Customers More Helpfully</a:t>
+            </a:r>
+            <a:endParaRPr/>
+          </a:p>
+          <a:p>
+            <a:pPr algn="ctr"/>
+            <a:endParaRPr/>
+          </a:p>
+          <a:p>
+            <a:pPr algn="ctr"/>
+            <a:r>
+              <a:rPr lang="en-US" sz="3200">
+                <a:latin typeface="Arial"/>
+              </a:rPr>
+              <a:t>Sri Kanajan</a:t>
+            </a:r>
+            <a:endParaRPr/>
+          </a:p>
+          <a:p>
+            <a:pPr algn="ctr"/>
+            <a:r>
+              <a:rPr lang="en-US" sz="3200">
+                <a:latin typeface="Arial"/>
+              </a:rPr>
+              <a:t>Senior Data Scientist</a:t>
             </a:r>
             <a:endParaRPr/>
           </a:p>
@@ -1614,7 +1639,7 @@
               <a:rPr lang="en-US" sz="3200">
                 <a:latin typeface="Arial"/>
               </a:rPr>
-              <a:t>Hard to find similar CSC's that have been resolved to avoid redundant work </a:t>
+              <a:t>Hard to find similar Customer Service Requests that have already been resolved to avoid redundant work </a:t>
             </a:r>
             <a:endParaRPr/>
           </a:p>
@@ -1628,29 +1653,7 @@
               <a:rPr lang="en-US" sz="3200">
                 <a:latin typeface="Arial"/>
               </a:rPr>
-              <a:t>Linking CSC's with TechZone articles are difficult due to propriety taxonomy in Cisco</a:t>
-            </a:r>
-            <a:endParaRPr/>
-          </a:p>
-          <a:p>
-            <a:pPr>
-              <a:buSzPct val="45000"/>
-              <a:buFont typeface="StarSymbol"/>
-              <a:buChar char=""/>
-            </a:pPr>
-            <a:endParaRPr/>
-          </a:p>
-          <a:p>
-            <a:pPr>
-              <a:buSzPct val="45000"/>
-              <a:buFont typeface="StarSymbol"/>
-              <a:buChar char=""/>
-            </a:pPr>
-            <a:r>
-              <a:rPr lang="en-US" sz="3200">
-                <a:latin typeface="Arial"/>
-              </a:rPr>
-              <a:t> </a:t>
+              <a:t>Linking Customer Service Requests with TechZone articles are difficult due to the propriety taxonomy in Cisco</a:t>
             </a:r>
             <a:endParaRPr/>
           </a:p>
@@ -1728,7 +1731,7 @@
               <a:rPr lang="en-US" sz="4400">
                 <a:latin typeface="Arial"/>
               </a:rPr>
-              <a:t>Solution</a:t>
+              <a:t>Data Sources</a:t>
             </a:r>
             <a:endParaRPr/>
           </a:p>
@@ -1743,7 +1746,7 @@
         <p:spPr>
           <a:xfrm>
             <a:off x="504000" y="1769040"/>
-            <a:ext cx="9071640" cy="4384440"/>
+            <a:ext cx="4426920" cy="4384440"/>
           </a:xfrm>
           <a:prstGeom prst="rect">
             <a:avLst/>
@@ -1758,11 +1761,20 @@
               <a:buChar char=""/>
             </a:pPr>
             <a:r>
-              <a:rPr lang="en-US" sz="2200">
-                <a:latin typeface="Arial"/>
-              </a:rPr>
-              <a:t>Extract semantic information from textual and attribute information in order to perform a quantitative similarity analysis between CSC or TZ articles with either query texts or other CSC or TZ articles</a:t>
-            </a:r>
+              <a:rPr lang="en-US" sz="3200">
+                <a:latin typeface="Arial"/>
+              </a:rPr>
+              <a:t>Customer Service Requests</a:t>
+            </a:r>
+            <a:endParaRPr/>
+          </a:p>
+          <a:p>
+            <a:endParaRPr/>
+          </a:p>
+          <a:p>
+            <a:endParaRPr/>
+          </a:p>
+          <a:p>
             <a:endParaRPr/>
           </a:p>
           <a:p>
@@ -1772,100 +1784,214 @@
               <a:buChar char=""/>
             </a:pPr>
             <a:r>
-              <a:rPr lang="en-US" sz="2200">
-                <a:latin typeface="Arial"/>
-              </a:rPr>
-              <a:t>Uses Latent Semantic Analysis and TFIDF vectorization</a:t>
-            </a:r>
-            <a:endParaRPr/>
-          </a:p>
-          <a:p>
-            <a:pPr>
-              <a:buSzPct val="45000"/>
-              <a:buFont typeface="StarSymbol"/>
-              <a:buChar char=""/>
-            </a:pPr>
-            <a:r>
-              <a:rPr lang="en-US" sz="2200">
-                <a:latin typeface="Arial"/>
-              </a:rPr>
-              <a:t>Use Solr and Spark to perform this at very large scale</a:t>
-            </a:r>
-            <a:endParaRPr/>
-          </a:p>
-        </p:txBody>
-      </p:sp>
-      <p:pic>
-        <p:nvPicPr>
-          <p:cNvPr id="44" name="" descr=""/>
-          <p:cNvPicPr/>
-          <p:nvPr/>
-        </p:nvPicPr>
-        <p:blipFill>
-          <a:blip r:embed="rId1"/>
-          <a:stretch>
-            <a:fillRect/>
-          </a:stretch>
-        </p:blipFill>
-        <p:spPr>
-          <a:xfrm>
-            <a:off x="1905480" y="3840480"/>
-            <a:ext cx="7147080" cy="3566160"/>
-          </a:xfrm>
-          <a:prstGeom prst="rect">
-            <a:avLst/>
-          </a:prstGeom>
-          <a:ln>
-            <a:noFill/>
-          </a:ln>
-        </p:spPr>
-      </p:pic>
-      <p:pic>
-        <p:nvPicPr>
-          <p:cNvPr id="45" name="" descr=""/>
-          <p:cNvPicPr/>
-          <p:nvPr/>
-        </p:nvPicPr>
-        <p:blipFill>
-          <a:blip r:embed="rId2"/>
-          <a:stretch>
-            <a:fillRect/>
-          </a:stretch>
-        </p:blipFill>
-        <p:spPr>
-          <a:xfrm>
-            <a:off x="7641360" y="4754880"/>
-            <a:ext cx="2051280" cy="784440"/>
-          </a:xfrm>
-          <a:prstGeom prst="rect">
-            <a:avLst/>
-          </a:prstGeom>
-          <a:ln>
-            <a:noFill/>
-          </a:ln>
-        </p:spPr>
-      </p:pic>
-      <p:sp>
-        <p:nvSpPr>
-          <p:cNvPr id="46" name="Line 3"/>
-          <p:cNvSpPr/>
-          <p:nvPr/>
-        </p:nvSpPr>
-        <p:spPr>
-          <a:xfrm flipH="1">
-            <a:off x="7498080" y="5486400"/>
-            <a:ext cx="822960" cy="822960"/>
-          </a:xfrm>
-          <a:prstGeom prst="line">
-            <a:avLst/>
-          </a:prstGeom>
-          <a:ln>
-            <a:solidFill>
-              <a:srgbClr val="000000"/>
-            </a:solidFill>
-            <a:tailEnd len="med" type="triangle" w="med"/>
-          </a:ln>
-        </p:spPr>
+              <a:rPr lang="en-US" sz="3200">
+                <a:latin typeface="Arial"/>
+              </a:rPr>
+              <a:t>Tech Zone Articles</a:t>
+            </a:r>
+            <a:endParaRPr/>
+          </a:p>
+        </p:txBody>
+      </p:sp>
+      <p:sp>
+        <p:nvSpPr>
+          <p:cNvPr id="44" name="TextShape 3"/>
+          <p:cNvSpPr txBox="1"/>
+          <p:nvPr/>
+        </p:nvSpPr>
+        <p:spPr>
+          <a:xfrm>
+            <a:off x="4480560" y="1769040"/>
+            <a:ext cx="5099040" cy="2091240"/>
+          </a:xfrm>
+          <a:prstGeom prst="rect">
+            <a:avLst/>
+          </a:prstGeom>
+        </p:spPr>
+        <p:txBody>
+          <a:bodyPr lIns="0" rIns="0" tIns="0" bIns="0"/>
+          <a:p>
+            <a:r>
+              <a:rPr lang="en-US" sz="7200">
+                <a:latin typeface="Arial"/>
+              </a:rPr>
+              <a:t>Title:</a:t>
+            </a:r>
+            <a:endParaRPr/>
+          </a:p>
+          <a:p>
+            <a:r>
+              <a:rPr lang="en-US" sz="7200">
+                <a:latin typeface="Arial"/>
+              </a:rPr>
+              <a:t>6509 vrf-lite on sup720-3b</a:t>
+            </a:r>
+            <a:endParaRPr/>
+          </a:p>
+          <a:p>
+            <a:r>
+              <a:rPr lang="en-US" sz="7200">
+                <a:latin typeface="Arial"/>
+              </a:rPr>
+              <a:t>URL:</a:t>
+            </a:r>
+            <a:endParaRPr/>
+          </a:p>
+          <a:p>
+            <a:r>
+              <a:rPr lang="en-US" sz="7200">
+                <a:latin typeface="Arial"/>
+              </a:rPr>
+              <a:t>https://supportforums.cisco.com/discussion/11753751/6509-vrf-lite-sup720-3b</a:t>
+            </a:r>
+            <a:endParaRPr/>
+          </a:p>
+          <a:p>
+            <a:r>
+              <a:rPr lang="en-US" sz="7200">
+                <a:latin typeface="Arial"/>
+              </a:rPr>
+              <a:t>Statistics: Replies: 3   Avg. Rating: Views: 558   Votes: 0 Shares: 0</a:t>
+            </a:r>
+            <a:endParaRPr/>
+          </a:p>
+          <a:p>
+            <a:r>
+              <a:rPr lang="en-US" sz="7200">
+                <a:latin typeface="Arial"/>
+              </a:rPr>
+              <a:t>Description: Geminorum_cco / Mar 4th, 2013</a:t>
+            </a:r>
+            <a:endParaRPr/>
+          </a:p>
+          <a:p>
+            <a:r>
+              <a:rPr lang="en-US" sz="7200">
+                <a:latin typeface="Arial"/>
+              </a:rPr>
+              <a:t>Hi everybody! Thanks for a great resource I've currently got the following layout in my 6509 ...</a:t>
+            </a:r>
+            <a:endParaRPr/>
+          </a:p>
+        </p:txBody>
+      </p:sp>
+      <p:sp>
+        <p:nvSpPr>
+          <p:cNvPr id="45" name="TextShape 4"/>
+          <p:cNvSpPr txBox="1"/>
+          <p:nvPr/>
+        </p:nvSpPr>
+        <p:spPr>
+          <a:xfrm>
+            <a:off x="4480560" y="4059360"/>
+            <a:ext cx="5099040" cy="2890080"/>
+          </a:xfrm>
+          <a:prstGeom prst="rect">
+            <a:avLst/>
+          </a:prstGeom>
+        </p:spPr>
+        <p:txBody>
+          <a:bodyPr lIns="0" rIns="0" tIns="0" bIns="0"/>
+          <a:p>
+            <a:r>
+              <a:rPr lang="en-US" sz="14060">
+                <a:latin typeface="Arial"/>
+              </a:rPr>
+              <a:t> </a:t>
+            </a:r>
+            <a:r>
+              <a:rPr lang="en-US" sz="14060">
+                <a:latin typeface="Arial"/>
+              </a:rPr>
+              <a:t>Step 1 Manually remove the non-CGV6 (CDS TV/IS) configuration.</a:t>
+            </a:r>
+            <a:endParaRPr/>
+          </a:p>
+          <a:p>
+            <a:r>
+              <a:rPr lang="en-US" sz="14060">
+                <a:latin typeface="Arial"/>
+              </a:rPr>
+              <a:t> </a:t>
+            </a:r>
+            <a:endParaRPr/>
+          </a:p>
+          <a:p>
+            <a:r>
+              <a:rPr lang="en-US" sz="14060">
+                <a:latin typeface="Arial"/>
+              </a:rPr>
+              <a:t>This is required when you convert an ISM card running CDS TV/IS software to CGv6 and here it’s referring to the XR config, like the service role,  service management and service-engine interfaces etc for CDS TV or IS..</a:t>
+            </a:r>
+            <a:endParaRPr/>
+          </a:p>
+          <a:p>
+            <a:r>
+              <a:rPr lang="en-US" sz="14060">
+                <a:latin typeface="Arial"/>
+              </a:rPr>
+              <a:t> </a:t>
+            </a:r>
+            <a:endParaRPr/>
+          </a:p>
+          <a:p>
+            <a:r>
+              <a:rPr lang="en-US" sz="14060">
+                <a:latin typeface="Arial"/>
+              </a:rPr>
+              <a:t>Step 2 Getting SW</a:t>
+            </a:r>
+            <a:endParaRPr/>
+          </a:p>
+          <a:p>
+            <a:r>
+              <a:rPr lang="en-US" sz="14060">
+                <a:latin typeface="Arial"/>
+              </a:rPr>
+              <a:t>  </a:t>
+            </a:r>
+            <a:endParaRPr/>
+          </a:p>
+          <a:p>
+            <a:r>
+              <a:rPr lang="en-US" sz="14060">
+                <a:latin typeface="Arial"/>
+              </a:rPr>
+              <a:t> </a:t>
+            </a:r>
+            <a:r>
+              <a:rPr lang="en-US" sz="14060">
+                <a:latin typeface="Arial"/>
+              </a:rPr>
+              <a:t>Install the Cisco IOS XR Software Release 4.2.1 image on the ASR 9000 router including -services- PIE.</a:t>
+            </a:r>
+            <a:endParaRPr/>
+          </a:p>
+          <a:p>
+            <a:r>
+              <a:rPr lang="en-US" sz="14060">
+                <a:latin typeface="Arial"/>
+              </a:rPr>
+              <a:t>Download the install kit asr9k-ism-cgv6-install-kit-4.2.1.00.sh from</a:t>
+            </a:r>
+            <a:endParaRPr/>
+          </a:p>
+          <a:p>
+            <a:r>
+              <a:rPr lang="en-US" sz="14060">
+                <a:latin typeface="Arial"/>
+              </a:rPr>
+              <a:t> </a:t>
+            </a:r>
+            <a:r>
+              <a:rPr lang="en-US" sz="14060">
+                <a:latin typeface="Arial"/>
+              </a:rPr>
+              <a:t>https://upload.cisco.com/cgi-bin/swc/fileexg/main.cgi?CONTYPES=IOS-XR.</a:t>
+            </a:r>
+            <a:endParaRPr/>
+          </a:p>
+        </p:txBody>
       </p:sp>
     </p:spTree>
   </p:cSld>
@@ -1918,7 +2044,7 @@
       </p:grpSpPr>
       <p:sp>
         <p:nvSpPr>
-          <p:cNvPr id="47" name="TextShape 1"/>
+          <p:cNvPr id="46" name="TextShape 1"/>
           <p:cNvSpPr txBox="1"/>
           <p:nvPr/>
         </p:nvSpPr>
@@ -1939,202 +2065,119 @@
               <a:rPr lang="en-US" sz="4400">
                 <a:latin typeface="Arial"/>
               </a:rPr>
-              <a:t>Recommendation </a:t>
-            </a:r>
-            <a:endParaRPr/>
-          </a:p>
-        </p:txBody>
-      </p:sp>
-      <p:sp>
-        <p:nvSpPr>
-          <p:cNvPr id="48" name="CustomShape 2"/>
+              <a:t>Solution</a:t>
+            </a:r>
+            <a:endParaRPr/>
+          </a:p>
+        </p:txBody>
+      </p:sp>
+      <p:sp>
+        <p:nvSpPr>
+          <p:cNvPr id="47" name="TextShape 2"/>
+          <p:cNvSpPr txBox="1"/>
+          <p:nvPr/>
+        </p:nvSpPr>
+        <p:spPr>
+          <a:xfrm>
+            <a:off x="504000" y="1769040"/>
+            <a:ext cx="9071640" cy="4384440"/>
+          </a:xfrm>
+          <a:prstGeom prst="rect">
+            <a:avLst/>
+          </a:prstGeom>
+        </p:spPr>
+        <p:txBody>
+          <a:bodyPr lIns="0" rIns="0" tIns="0" bIns="0"/>
+          <a:p>
+            <a:pPr>
+              <a:buSzPct val="45000"/>
+              <a:buFont typeface="StarSymbol"/>
+              <a:buChar char=""/>
+            </a:pPr>
+            <a:r>
+              <a:rPr lang="en-US" sz="2200">
+                <a:latin typeface="Arial"/>
+              </a:rPr>
+              <a:t>Extract semantic and topical information from textual and attribute information in order to perform a quantitative similarity analysis between CSC or TZ articles with either query texts or other CSC or TZ articles</a:t>
+            </a:r>
+            <a:endParaRPr/>
+          </a:p>
+          <a:p>
+            <a:pPr>
+              <a:buSzPct val="45000"/>
+              <a:buFont typeface="StarSymbol"/>
+              <a:buChar char=""/>
+            </a:pPr>
+            <a:r>
+              <a:rPr lang="en-US" sz="2200">
+                <a:latin typeface="Arial"/>
+              </a:rPr>
+              <a:t>Uses Latent Semantic Analysis and TFIDF vectorization</a:t>
+            </a:r>
+            <a:endParaRPr/>
+          </a:p>
+        </p:txBody>
+      </p:sp>
+      <p:pic>
+        <p:nvPicPr>
+          <p:cNvPr id="48" name="" descr=""/>
+          <p:cNvPicPr/>
+          <p:nvPr/>
+        </p:nvPicPr>
+        <p:blipFill>
+          <a:blip r:embed="rId1"/>
+          <a:stretch>
+            <a:fillRect/>
+          </a:stretch>
+        </p:blipFill>
+        <p:spPr>
+          <a:xfrm>
+            <a:off x="1554480" y="3657600"/>
+            <a:ext cx="7147080" cy="3566160"/>
+          </a:xfrm>
+          <a:prstGeom prst="rect">
+            <a:avLst/>
+          </a:prstGeom>
+          <a:ln>
+            <a:noFill/>
+          </a:ln>
+        </p:spPr>
+      </p:pic>
+      <p:pic>
+        <p:nvPicPr>
+          <p:cNvPr id="49" name="" descr=""/>
+          <p:cNvPicPr/>
+          <p:nvPr/>
+        </p:nvPicPr>
+        <p:blipFill>
+          <a:blip r:embed="rId2"/>
+          <a:stretch>
+            <a:fillRect/>
+          </a:stretch>
+        </p:blipFill>
+        <p:spPr>
+          <a:xfrm>
+            <a:off x="7290360" y="4572000"/>
+            <a:ext cx="2051280" cy="784440"/>
+          </a:xfrm>
+          <a:prstGeom prst="rect">
+            <a:avLst/>
+          </a:prstGeom>
+          <a:ln>
+            <a:noFill/>
+          </a:ln>
+        </p:spPr>
+      </p:pic>
+      <p:sp>
+        <p:nvSpPr>
+          <p:cNvPr id="50" name="Line 3"/>
           <p:cNvSpPr/>
           <p:nvPr/>
         </p:nvSpPr>
         <p:spPr>
-          <a:xfrm>
-            <a:off x="2264400" y="2214000"/>
-            <a:ext cx="2743200" cy="822960"/>
-          </a:xfrm>
-          <a:prstGeom prst="rect">
-            <a:avLst/>
-          </a:prstGeom>
-          <a:solidFill>
-            <a:srgbClr val="729fcf"/>
-          </a:solidFill>
-          <a:ln>
-            <a:solidFill>
-              <a:srgbClr val="3465a4"/>
-            </a:solidFill>
-          </a:ln>
-        </p:spPr>
-        <p:txBody>
-          <a:bodyPr wrap="none" lIns="90000" rIns="90000" tIns="45000" bIns="45000" anchor="ctr"/>
-          <a:p>
-            <a:pPr algn="ctr"/>
-            <a:r>
-              <a:rPr lang="en-US" sz="1500">
-                <a:latin typeface="Arial"/>
-              </a:rPr>
-              <a:t>TFIDF + Latent Semantic Analysis</a:t>
-            </a:r>
-            <a:endParaRPr/>
-          </a:p>
-          <a:p>
-            <a:pPr algn="ctr"/>
-            <a:r>
-              <a:rPr lang="en-US">
-                <a:latin typeface="Arial"/>
-              </a:rPr>
-              <a:t>(Python/</a:t>
-            </a:r>
-            <a:r>
-              <a:rPr i="1" lang="en-US">
-                <a:latin typeface="Arial"/>
-              </a:rPr>
-              <a:t>Spark</a:t>
-            </a:r>
-            <a:r>
-              <a:rPr lang="en-US">
-                <a:latin typeface="Arial"/>
-              </a:rPr>
-              <a:t>)</a:t>
-            </a:r>
-            <a:endParaRPr/>
-          </a:p>
-        </p:txBody>
-      </p:sp>
-      <p:sp>
-        <p:nvSpPr>
-          <p:cNvPr id="49" name="TextShape 3"/>
-          <p:cNvSpPr txBox="1"/>
-          <p:nvPr/>
-        </p:nvSpPr>
-        <p:spPr>
-          <a:xfrm>
-            <a:off x="6653520" y="4865760"/>
-            <a:ext cx="3211920" cy="346320"/>
-          </a:xfrm>
-          <a:prstGeom prst="rect">
-            <a:avLst/>
-          </a:prstGeom>
-        </p:spPr>
-        <p:txBody>
-          <a:bodyPr lIns="90000" rIns="90000" tIns="45000" bIns="45000"/>
-          <a:p>
-            <a:r>
-              <a:rPr lang="en-US">
-                <a:latin typeface="Arial"/>
-              </a:rPr>
-              <a:t>Italics – Partially Implemented</a:t>
-            </a:r>
-            <a:endParaRPr/>
-          </a:p>
-        </p:txBody>
-      </p:sp>
-      <p:sp>
-        <p:nvSpPr>
-          <p:cNvPr id="50" name="TextShape 4"/>
-          <p:cNvSpPr txBox="1"/>
-          <p:nvPr/>
-        </p:nvSpPr>
-        <p:spPr>
-          <a:xfrm>
-            <a:off x="69840" y="2031120"/>
-            <a:ext cx="2103120" cy="602280"/>
-          </a:xfrm>
-          <a:prstGeom prst="rect">
-            <a:avLst/>
-          </a:prstGeom>
-        </p:spPr>
-        <p:txBody>
-          <a:bodyPr lIns="90000" rIns="90000" tIns="45000" bIns="45000"/>
-          <a:p>
-            <a:r>
-              <a:rPr lang="en-US">
-                <a:latin typeface="Arial"/>
-              </a:rPr>
-              <a:t>Historical CSC Discussions</a:t>
-            </a:r>
-            <a:endParaRPr/>
-          </a:p>
-        </p:txBody>
-      </p:sp>
-      <p:sp>
-        <p:nvSpPr>
-          <p:cNvPr id="51" name="TextShape 5"/>
-          <p:cNvSpPr txBox="1"/>
-          <p:nvPr/>
-        </p:nvSpPr>
-        <p:spPr>
-          <a:xfrm>
-            <a:off x="69840" y="2800440"/>
-            <a:ext cx="2103120" cy="602280"/>
-          </a:xfrm>
-          <a:prstGeom prst="rect">
-            <a:avLst/>
-          </a:prstGeom>
-        </p:spPr>
-        <p:txBody>
-          <a:bodyPr lIns="90000" rIns="90000" tIns="45000" bIns="45000"/>
-          <a:p>
-            <a:r>
-              <a:rPr lang="en-US">
-                <a:latin typeface="Arial"/>
-              </a:rPr>
-              <a:t>Historical Tech Zone Articles</a:t>
-            </a:r>
-            <a:endParaRPr/>
-          </a:p>
-        </p:txBody>
-      </p:sp>
-      <p:sp>
-        <p:nvSpPr>
-          <p:cNvPr id="52" name="CustomShape 6"/>
-          <p:cNvSpPr/>
-          <p:nvPr/>
-        </p:nvSpPr>
-        <p:spPr>
-          <a:xfrm>
-            <a:off x="5739120" y="2214000"/>
-            <a:ext cx="1463040" cy="822960"/>
-          </a:xfrm>
-          <a:prstGeom prst="rect">
-            <a:avLst/>
-          </a:prstGeom>
-          <a:solidFill>
-            <a:srgbClr val="729fcf"/>
-          </a:solidFill>
-          <a:ln>
-            <a:solidFill>
-              <a:srgbClr val="3465a4"/>
-            </a:solidFill>
-          </a:ln>
-        </p:spPr>
-        <p:txBody>
-          <a:bodyPr wrap="none" lIns="90000" rIns="90000" tIns="45000" bIns="45000" anchor="ctr"/>
-          <a:p>
-            <a:pPr algn="ctr"/>
-            <a:r>
-              <a:rPr i="1" lang="en-US">
-                <a:latin typeface="Arial"/>
-              </a:rPr>
-              <a:t>Solr</a:t>
-            </a:r>
-            <a:endParaRPr/>
-          </a:p>
-        </p:txBody>
-      </p:sp>
-      <p:sp>
-        <p:nvSpPr>
-          <p:cNvPr id="53" name="Line 7"/>
-          <p:cNvSpPr/>
-          <p:nvPr/>
-        </p:nvSpPr>
-        <p:spPr>
           <a:xfrm flipH="1">
-            <a:off x="7202160" y="2671200"/>
-            <a:ext cx="914400" cy="0"/>
+            <a:off x="7147080" y="5303520"/>
+            <a:ext cx="822960" cy="822960"/>
           </a:xfrm>
           <a:prstGeom prst="line">
             <a:avLst/>
@@ -2149,14 +2192,14 @@
       </p:sp>
       <p:sp>
         <p:nvSpPr>
-          <p:cNvPr id="54" name="Line 8"/>
+          <p:cNvPr id="51" name="Line 4"/>
           <p:cNvSpPr/>
           <p:nvPr/>
         </p:nvSpPr>
         <p:spPr>
-          <a:xfrm>
-            <a:off x="5007600" y="2579760"/>
-            <a:ext cx="731520" cy="0"/>
+          <a:xfrm flipH="1">
+            <a:off x="4937760" y="4114800"/>
+            <a:ext cx="640080" cy="731520"/>
           </a:xfrm>
           <a:prstGeom prst="line">
             <a:avLst/>
@@ -2171,14 +2214,14 @@
       </p:sp>
       <p:sp>
         <p:nvSpPr>
-          <p:cNvPr id="55" name="Line 9"/>
+          <p:cNvPr id="52" name="Line 5"/>
           <p:cNvSpPr/>
           <p:nvPr/>
         </p:nvSpPr>
         <p:spPr>
-          <a:xfrm flipV="1">
-            <a:off x="1624320" y="2671200"/>
-            <a:ext cx="640080" cy="457200"/>
+          <a:xfrm flipH="1">
+            <a:off x="6035040" y="4754880"/>
+            <a:ext cx="914400" cy="548640"/>
           </a:xfrm>
           <a:prstGeom prst="line">
             <a:avLst/>
@@ -2191,111 +2234,35 @@
           </a:ln>
         </p:spPr>
       </p:sp>
-      <p:sp>
-        <p:nvSpPr>
-          <p:cNvPr id="56" name="Line 10"/>
-          <p:cNvSpPr/>
-          <p:nvPr/>
-        </p:nvSpPr>
-        <p:spPr>
-          <a:xfrm>
-            <a:off x="1624320" y="2396880"/>
-            <a:ext cx="640080" cy="274320"/>
-          </a:xfrm>
-          <a:prstGeom prst="line">
-            <a:avLst/>
-          </a:prstGeom>
-          <a:ln>
-            <a:solidFill>
-              <a:srgbClr val="000000"/>
-            </a:solidFill>
-            <a:tailEnd len="med" type="triangle" w="med"/>
-          </a:ln>
-        </p:spPr>
-      </p:sp>
-      <p:sp>
-        <p:nvSpPr>
-          <p:cNvPr id="57" name="TextShape 11"/>
-          <p:cNvSpPr txBox="1"/>
-          <p:nvPr/>
-        </p:nvSpPr>
-        <p:spPr>
-          <a:xfrm>
-            <a:off x="7553520" y="2068920"/>
-            <a:ext cx="2413440" cy="602280"/>
-          </a:xfrm>
-          <a:prstGeom prst="rect">
-            <a:avLst/>
-          </a:prstGeom>
-        </p:spPr>
-        <p:txBody>
-          <a:bodyPr lIns="90000" rIns="90000" tIns="45000" bIns="45000"/>
-          <a:p>
-            <a:r>
-              <a:rPr lang="en-US">
-                <a:latin typeface="Arial"/>
-              </a:rPr>
-              <a:t>Query terms or web page visits</a:t>
-            </a:r>
-            <a:endParaRPr/>
-          </a:p>
-        </p:txBody>
-      </p:sp>
-      <p:sp>
-        <p:nvSpPr>
-          <p:cNvPr id="58" name="Line 12"/>
-          <p:cNvSpPr/>
-          <p:nvPr/>
-        </p:nvSpPr>
-        <p:spPr>
-          <a:xfrm>
-            <a:off x="7293600" y="2671200"/>
-            <a:ext cx="1005840" cy="914400"/>
-          </a:xfrm>
-          <a:prstGeom prst="line">
-            <a:avLst/>
-          </a:prstGeom>
-          <a:ln>
-            <a:solidFill>
-              <a:srgbClr val="000000"/>
-            </a:solidFill>
-            <a:tailEnd len="med" type="triangle" w="med"/>
-          </a:ln>
-        </p:spPr>
-      </p:sp>
-      <p:sp>
-        <p:nvSpPr>
-          <p:cNvPr id="59" name="TextShape 13"/>
-          <p:cNvSpPr txBox="1"/>
-          <p:nvPr/>
-        </p:nvSpPr>
-        <p:spPr>
-          <a:xfrm>
-            <a:off x="7385040" y="3585600"/>
-            <a:ext cx="2500200" cy="602280"/>
-          </a:xfrm>
-          <a:prstGeom prst="rect">
-            <a:avLst/>
-          </a:prstGeom>
-        </p:spPr>
-        <p:txBody>
-          <a:bodyPr lIns="90000" rIns="90000" tIns="45000" bIns="45000"/>
-          <a:p>
-            <a:r>
-              <a:rPr lang="en-US">
-                <a:latin typeface="Arial"/>
-              </a:rPr>
-              <a:t>Similar Resolved CSC,</a:t>
-            </a:r>
-            <a:endParaRPr/>
-          </a:p>
-          <a:p>
-            <a:endParaRPr/>
-          </a:p>
-        </p:txBody>
-      </p:sp>
     </p:spTree>
   </p:cSld>
+  <p:timing>
+    <p:tnLst>
+      <p:par>
+        <p:cTn id="7" dur="indefinite" restart="never" nodeType="tmRoot">
+          <p:childTnLst>
+            <p:seq>
+              <p:cTn id="8" nodeType="mainSeq"/>
+              <p:prevCondLst>
+                <p:cond delay="0" evt="onPrev">
+                  <p:tgtEl>
+                    <p:sldTgt/>
+                  </p:tgtEl>
+                </p:cond>
+              </p:prevCondLst>
+              <p:nextCondLst>
+                <p:cond delay="0" evt="onNext">
+                  <p:tgtEl>
+                    <p:sldTgt/>
+                  </p:tgtEl>
+                </p:cond>
+              </p:nextCondLst>
+            </p:seq>
+          </p:childTnLst>
+        </p:cTn>
+      </p:par>
+    </p:tnLst>
+  </p:timing>
 </p:sld>
 </file>
 
@@ -2318,7 +2285,7 @@
       </p:grpSpPr>
       <p:sp>
         <p:nvSpPr>
-          <p:cNvPr id="60" name="TextShape 1"/>
+          <p:cNvPr id="53" name="TextShape 1"/>
           <p:cNvSpPr txBox="1"/>
           <p:nvPr/>
         </p:nvSpPr>
@@ -2335,382 +2302,662 @@
           <a:bodyPr lIns="0" rIns="0" tIns="0" bIns="0" anchor="ctr"/>
           <a:p>
             <a:pPr algn="ctr"/>
-            <a:endParaRPr/>
-          </a:p>
-        </p:txBody>
-      </p:sp>
-      <p:sp>
-        <p:nvSpPr>
-          <p:cNvPr id="61" name="TextShape 2"/>
+            <a:r>
+              <a:rPr lang="en-US" sz="4400">
+                <a:latin typeface="Arial"/>
+              </a:rPr>
+              <a:t>Uses of LSA</a:t>
+            </a:r>
+            <a:endParaRPr/>
+          </a:p>
+        </p:txBody>
+      </p:sp>
+      <p:sp>
+        <p:nvSpPr>
+          <p:cNvPr id="54" name="TextShape 2"/>
           <p:cNvSpPr txBox="1"/>
           <p:nvPr/>
         </p:nvSpPr>
         <p:spPr>
           <a:xfrm>
-            <a:off x="428760" y="2103120"/>
-            <a:ext cx="1125720" cy="1682280"/>
-          </a:xfrm>
-          <a:prstGeom prst="rect">
-            <a:avLst/>
-          </a:prstGeom>
-        </p:spPr>
-        <p:txBody>
-          <a:bodyPr lIns="90000" rIns="90000" tIns="45000" bIns="45000"/>
-          <a:p>
-            <a:r>
-              <a:rPr lang="en-US" sz="1000">
-                <a:latin typeface="Liberation Mono;Cumberland AMT;Cumberland;Courier New;Cousine;Nimbus Mono L;DejaVu Sans Mono;Courier;Lucida Sans Typewriter;Lucida Typewriter;Monaco;Monospaced"/>
-              </a:rPr>
-              <a:t>Concept 12:</a:t>
-            </a:r>
-            <a:endParaRPr/>
-          </a:p>
-          <a:p>
-            <a:r>
-              <a:rPr lang="en-US" sz="1000">
-                <a:latin typeface="Liberation Mono;Cumberland AMT;Cumberland;Courier New;Cousine;Nimbus Mono L;DejaVu Sans Mono;Courier;Lucida Sans Typewriter;Lucida Typewriter;Monaco;Monospaced"/>
-              </a:rPr>
-              <a:t>queue</a:t>
-            </a:r>
-            <a:endParaRPr/>
-          </a:p>
-          <a:p>
-            <a:r>
-              <a:rPr lang="en-US" sz="1000">
-                <a:latin typeface="Liberation Mono;Cumberland AMT;Cumberland;Courier New;Cousine;Nimbus Mono L;DejaVu Sans Mono;Courier;Lucida Sans Typewriter;Lucida Typewriter;Monaco;Monospaced"/>
-              </a:rPr>
-              <a:t>srr</a:t>
-            </a:r>
-            <a:endParaRPr/>
-          </a:p>
-          <a:p>
-            <a:r>
-              <a:rPr lang="en-US" sz="1000">
-                <a:latin typeface="Liberation Mono;Cumberland AMT;Cumberland;Courier New;Cousine;Nimbus Mono L;DejaVu Sans Mono;Courier;Lucida Sans Typewriter;Lucida Typewriter;Monaco;Monospaced"/>
-              </a:rPr>
-              <a:t>srr queue</a:t>
-            </a:r>
-            <a:endParaRPr/>
-          </a:p>
-          <a:p>
-            <a:r>
-              <a:rPr lang="en-US" sz="1000">
-                <a:latin typeface="Liberation Mono;Cumberland AMT;Cumberland;Courier New;Cousine;Nimbus Mono L;DejaVu Sans Mono;Courier;Lucida Sans Typewriter;Lucida Typewriter;Monaco;Monospaced"/>
-              </a:rPr>
-              <a:t>shape</a:t>
-            </a:r>
-            <a:endParaRPr/>
-          </a:p>
-          <a:p>
-            <a:r>
-              <a:rPr lang="en-US" sz="1000">
-                <a:latin typeface="Liberation Mono;Cumberland AMT;Cumberland;Courier New;Cousine;Nimbus Mono L;DejaVu Sans Mono;Courier;Lucida Sans Typewriter;Lucida Typewriter;Monaco;Monospaced"/>
-              </a:rPr>
-              <a:t>peter</a:t>
-            </a:r>
-            <a:endParaRPr/>
-          </a:p>
-          <a:p>
-            <a:r>
-              <a:rPr lang="en-US" sz="1000">
-                <a:latin typeface="Liberation Mono;Cumberland AMT;Cumberland;Courier New;Cousine;Nimbus Mono L;DejaVu Sans Mono;Courier;Lucida Sans Typewriter;Lucida Typewriter;Monaco;Monospaced"/>
-              </a:rPr>
-              <a:t>burst</a:t>
-            </a:r>
-            <a:endParaRPr/>
-          </a:p>
-          <a:p>
-            <a:r>
-              <a:rPr lang="en-US" sz="1000">
-                <a:latin typeface="Liberation Mono;Cumberland AMT;Cumberland;Courier New;Cousine;Nimbus Mono L;DejaVu Sans Mono;Courier;Lucida Sans Typewriter;Lucida Typewriter;Monaco;Monospaced"/>
-              </a:rPr>
-              <a:t>tc</a:t>
-            </a:r>
-            <a:endParaRPr/>
-          </a:p>
-          <a:p>
-            <a:r>
-              <a:rPr lang="en-US" sz="1000">
-                <a:latin typeface="Liberation Mono;Cumberland AMT;Cumberland;Courier New;Cousine;Nimbus Mono L;DejaVu Sans Mono;Courier;Lucida Sans Typewriter;Lucida Typewriter;Monaco;Monospaced"/>
-              </a:rPr>
-              <a:t>solarwinds</a:t>
-            </a:r>
-            <a:endParaRPr/>
-          </a:p>
-          <a:p>
-            <a:r>
-              <a:rPr lang="en-US" sz="1000">
-                <a:latin typeface="Liberation Mono;Cumberland AMT;Cumberland;Courier New;Cousine;Nimbus Mono L;DejaVu Sans Mono;Courier;Lucida Sans Typewriter;Lucida Typewriter;Monaco;Monospaced"/>
-              </a:rPr>
-              <a:t>01 21</a:t>
-            </a:r>
-            <a:endParaRPr/>
-          </a:p>
-          <a:p>
-            <a:r>
-              <a:rPr lang="en-US" sz="1000">
-                <a:latin typeface="Liberation Mono;Cumberland AMT;Cumberland;Courier New;Cousine;Nimbus Mono L;DejaVu Sans Mono;Courier;Lucida Sans Typewriter;Lucida Typewriter;Monaco;Monospaced"/>
-              </a:rPr>
-              <a:t>customer</a:t>
-            </a:r>
-            <a:endParaRPr/>
-          </a:p>
-        </p:txBody>
-      </p:sp>
-      <p:sp>
-        <p:nvSpPr>
-          <p:cNvPr id="62" name="TextShape 3"/>
+            <a:off x="365760" y="4937760"/>
+            <a:ext cx="4426920" cy="2091240"/>
+          </a:xfrm>
+          <a:prstGeom prst="rect">
+            <a:avLst/>
+          </a:prstGeom>
+        </p:spPr>
+        <p:txBody>
+          <a:bodyPr lIns="0" rIns="0" tIns="0" bIns="0"/>
+          <a:p>
+            <a:pPr>
+              <a:buSzPct val="45000"/>
+              <a:buFont typeface="StarSymbol"/>
+              <a:buChar char=""/>
+            </a:pPr>
+            <a:r>
+              <a:rPr lang="en-US" sz="3200">
+                <a:latin typeface="Arial"/>
+              </a:rPr>
+              <a:t>TechZone and CSC Summarization</a:t>
+            </a:r>
+            <a:endParaRPr/>
+          </a:p>
+          <a:p>
+            <a:pPr>
+              <a:buSzPct val="45000"/>
+              <a:buFont typeface="StarSymbol"/>
+              <a:buChar char=""/>
+            </a:pPr>
+            <a:endParaRPr/>
+          </a:p>
+          <a:p>
+            <a:pPr>
+              <a:buSzPct val="45000"/>
+              <a:buFont typeface="StarSymbol"/>
+              <a:buChar char=""/>
+            </a:pPr>
+            <a:endParaRPr/>
+          </a:p>
+        </p:txBody>
+      </p:sp>
+      <p:sp>
+        <p:nvSpPr>
+          <p:cNvPr id="55" name="TextShape 3"/>
           <p:cNvSpPr txBox="1"/>
           <p:nvPr/>
         </p:nvSpPr>
         <p:spPr>
           <a:xfrm>
-            <a:off x="3931920" y="2011680"/>
-            <a:ext cx="1476000" cy="1682640"/>
-          </a:xfrm>
-          <a:prstGeom prst="rect">
-            <a:avLst/>
-          </a:prstGeom>
-        </p:spPr>
-        <p:txBody>
-          <a:bodyPr lIns="90000" rIns="90000" tIns="45000" bIns="45000"/>
-          <a:p>
-            <a:r>
-              <a:rPr lang="en-US" sz="1000">
-                <a:latin typeface="Liberation Mono;Cumberland AMT;Cumberland;Courier New;Cousine;Nimbus Mono L;DejaVu Sans Mono;Courier;Lucida Sans Typewriter;Lucida Typewriter;Monaco;Monospaced"/>
-              </a:rPr>
-              <a:t>Concept 19:</a:t>
-            </a:r>
-            <a:endParaRPr/>
-          </a:p>
-          <a:p>
-            <a:r>
-              <a:rPr lang="en-US" sz="1000">
-                <a:latin typeface="Liberation Mono;Cumberland AMT;Cumberland;Courier New;Cousine;Nimbus Mono L;DejaVu Sans Mono;Courier;Lucida Sans Typewriter;Lucida Typewriter;Monaco;Monospaced"/>
-              </a:rPr>
-              <a:t>tunnel</a:t>
-            </a:r>
-            <a:endParaRPr/>
-          </a:p>
-          <a:p>
-            <a:r>
-              <a:rPr lang="en-US" sz="1000">
-                <a:latin typeface="Liberation Mono;Cumberland AMT;Cumberland;Courier New;Cousine;Nimbus Mono L;DejaVu Sans Mono;Courier;Lucida Sans Typewriter;Lucida Typewriter;Monaco;Monospaced"/>
-              </a:rPr>
-              <a:t>7600</a:t>
-            </a:r>
-            <a:endParaRPr/>
-          </a:p>
-          <a:p>
-            <a:r>
-              <a:rPr lang="en-US" sz="1000">
-                <a:latin typeface="Liberation Mono;Cumberland AMT;Cumberland;Courier New;Cousine;Nimbus Mono L;DejaVu Sans Mono;Courier;Lucida Sans Typewriter;Lucida Typewriter;Monaco;Monospaced"/>
-              </a:rPr>
-              <a:t>cisco 7600 series</a:t>
-            </a:r>
-            <a:endParaRPr/>
-          </a:p>
-          <a:p>
-            <a:r>
-              <a:rPr lang="en-US" sz="1000">
-                <a:latin typeface="Liberation Mono;Cumberland AMT;Cumberland;Courier New;Cousine;Nimbus Mono L;DejaVu Sans Mono;Courier;Lucida Sans Typewriter;Lucida Typewriter;Monaco;Monospaced"/>
-              </a:rPr>
-              <a:t>cisco 7600</a:t>
-            </a:r>
-            <a:endParaRPr/>
-          </a:p>
-          <a:p>
-            <a:r>
-              <a:rPr lang="en-US" sz="1000">
-                <a:latin typeface="Liberation Mono;Cumberland AMT;Cumberland;Courier New;Cousine;Nimbus Mono L;DejaVu Sans Mono;Courier;Lucida Sans Typewriter;Lucida Typewriter;Monaco;Monospaced"/>
-              </a:rPr>
-              <a:t>7600 series</a:t>
-            </a:r>
-            <a:endParaRPr/>
-          </a:p>
-          <a:p>
-            <a:r>
-              <a:rPr lang="en-US" sz="1000">
-                <a:latin typeface="Liberation Mono;Cumberland AMT;Cumberland;Courier New;Cousine;Nimbus Mono L;DejaVu Sans Mono;Courier;Lucida Sans Typewriter;Lucida Typewriter;Monaco;Monospaced"/>
-              </a:rPr>
-              <a:t>plus</a:t>
-            </a:r>
-            <a:endParaRPr/>
-          </a:p>
-          <a:p>
-            <a:r>
-              <a:rPr lang="en-US" sz="1000">
-                <a:latin typeface="Liberation Mono;Cumberland AMT;Cumberland;Courier New;Cousine;Nimbus Mono L;DejaVu Sans Mono;Courier;Lucida Sans Typewriter;Lucida Typewriter;Monaco;Monospaced"/>
-              </a:rPr>
-              <a:t>shape</a:t>
-            </a:r>
-            <a:endParaRPr/>
-          </a:p>
-          <a:p>
-            <a:r>
-              <a:rPr lang="en-US" sz="1000">
-                <a:latin typeface="Liberation Mono;Cumberland AMT;Cumberland;Courier New;Cousine;Nimbus Mono L;DejaVu Sans Mono;Courier;Lucida Sans Typewriter;Lucida Typewriter;Monaco;Monospaced"/>
-              </a:rPr>
-              <a:t>01 21 2013</a:t>
-            </a:r>
-            <a:endParaRPr/>
-          </a:p>
-          <a:p>
-            <a:r>
-              <a:rPr lang="en-US" sz="1000">
-                <a:latin typeface="Liberation Mono;Cumberland AMT;Cumberland;Courier New;Cousine;Nimbus Mono L;DejaVu Sans Mono;Courier;Lucida Sans Typewriter;Lucida Typewriter;Monaco;Monospaced"/>
-              </a:rPr>
-              <a:t>mon 01 21</a:t>
-            </a:r>
-            <a:endParaRPr/>
-          </a:p>
-          <a:p>
-            <a:r>
-              <a:rPr lang="en-US" sz="1000">
-                <a:latin typeface="Liberation Mono;Cumberland AMT;Cumberland;Courier New;Cousine;Nimbus Mono L;DejaVu Sans Mono;Courier;Lucida Sans Typewriter;Lucida Typewriter;Monaco;Monospaced"/>
-              </a:rPr>
-              <a:t>overhead</a:t>
-            </a:r>
-            <a:endParaRPr/>
-          </a:p>
-        </p:txBody>
-      </p:sp>
-      <p:sp>
-        <p:nvSpPr>
-          <p:cNvPr id="63" name="TextShape 4"/>
+            <a:off x="419400" y="1737360"/>
+            <a:ext cx="4426920" cy="822960"/>
+          </a:xfrm>
+          <a:prstGeom prst="rect">
+            <a:avLst/>
+          </a:prstGeom>
+        </p:spPr>
+        <p:txBody>
+          <a:bodyPr lIns="0" rIns="0" tIns="0" bIns="0"/>
+          <a:p>
+            <a:pPr>
+              <a:buSzPct val="45000"/>
+              <a:buFont typeface="StarSymbol"/>
+              <a:buChar char=""/>
+            </a:pPr>
+            <a:r>
+              <a:rPr lang="en-US" sz="3200">
+                <a:latin typeface="Arial"/>
+              </a:rPr>
+              <a:t>Document Similarity</a:t>
+            </a:r>
+            <a:endParaRPr/>
+          </a:p>
+        </p:txBody>
+      </p:sp>
+      <p:sp>
+        <p:nvSpPr>
+          <p:cNvPr id="56" name="TextShape 4"/>
           <p:cNvSpPr txBox="1"/>
           <p:nvPr/>
         </p:nvSpPr>
         <p:spPr>
           <a:xfrm>
-            <a:off x="7027920" y="2378880"/>
-            <a:ext cx="1018800" cy="1827360"/>
-          </a:xfrm>
-          <a:prstGeom prst="rect">
-            <a:avLst/>
-          </a:prstGeom>
-        </p:spPr>
-        <p:txBody>
-          <a:bodyPr lIns="90000" rIns="90000" tIns="45000" bIns="45000"/>
-          <a:p>
-            <a:r>
-              <a:rPr lang="en-US" sz="1000">
-                <a:latin typeface="Liberation Mono;Cumberland AMT;Cumberland;Courier New;Cousine;Nimbus Mono L;DejaVu Sans Mono;Courier;Lucida Sans Typewriter;Lucida Typewriter;Monaco;Monospaced"/>
-              </a:rPr>
-              <a:t>Concept 27:</a:t>
-            </a:r>
-            <a:endParaRPr/>
-          </a:p>
-          <a:p>
-            <a:r>
-              <a:rPr lang="en-US" sz="1000">
-                <a:latin typeface="Liberation Mono;Cumberland AMT;Cumberland;Courier New;Cousine;Nimbus Mono L;DejaVu Sans Mono;Courier;Lucida Sans Typewriter;Lucida Typewriter;Monaco;Monospaced"/>
-              </a:rPr>
-              <a:t>sup32</a:t>
-            </a:r>
-            <a:endParaRPr/>
-          </a:p>
-          <a:p>
-            <a:r>
-              <a:rPr lang="en-US" sz="1000">
-                <a:latin typeface="Liberation Mono;Cumberland AMT;Cumberland;Courier New;Cousine;Nimbus Mono L;DejaVu Sans Mono;Courier;Lucida Sans Typewriter;Lucida Typewriter;Monaco;Monospaced"/>
-              </a:rPr>
-              <a:t>supervisors</a:t>
-            </a:r>
-            <a:endParaRPr/>
-          </a:p>
-          <a:p>
-            <a:r>
-              <a:rPr lang="en-US" sz="1000">
-                <a:latin typeface="Liberation Mono;Cumberland AMT;Cumberland;Courier New;Cousine;Nimbus Mono L;DejaVu Sans Mono;Courier;Lucida Sans Typewriter;Lucida Typewriter;Monaco;Monospaced"/>
-              </a:rPr>
-              <a:t>bus</a:t>
-            </a:r>
-            <a:endParaRPr/>
-          </a:p>
-          <a:p>
-            <a:r>
-              <a:rPr lang="en-US" sz="1000">
-                <a:latin typeface="Liberation Mono;Cumberland AMT;Cumberland;Courier New;Cousine;Nimbus Mono L;DejaVu Sans Mono;Courier;Lucida Sans Typewriter;Lucida Typewriter;Monaco;Monospaced"/>
-              </a:rPr>
-              <a:t>thu 03 01</a:t>
-            </a:r>
-            <a:endParaRPr/>
-          </a:p>
-          <a:p>
-            <a:r>
-              <a:rPr lang="en-US" sz="1000">
-                <a:latin typeface="Liberation Mono;Cumberland AMT;Cumberland;Courier New;Cousine;Nimbus Mono L;DejaVu Sans Mono;Courier;Lucida Sans Typewriter;Lucida Typewriter;Monaco;Monospaced"/>
-              </a:rPr>
-              <a:t>gbps</a:t>
-            </a:r>
-            <a:endParaRPr/>
-          </a:p>
-          <a:p>
-            <a:r>
-              <a:rPr lang="en-US" sz="1000">
-                <a:latin typeface="Liberation Mono;Cumberland AMT;Cumberland;Courier New;Cousine;Nimbus Mono L;DejaVu Sans Mono;Courier;Lucida Sans Typewriter;Lucida Typewriter;Monaco;Monospaced"/>
-              </a:rPr>
-              <a:t>03 01 2012</a:t>
-            </a:r>
-            <a:endParaRPr/>
-          </a:p>
-          <a:p>
-            <a:r>
-              <a:rPr lang="en-US" sz="1000">
-                <a:latin typeface="Liberation Mono;Cumberland AMT;Cumberland;Courier New;Cousine;Nimbus Mono L;DejaVu Sans Mono;Courier;Lucida Sans Typewriter;Lucida Typewriter;Monaco;Monospaced"/>
-              </a:rPr>
-              <a:t>t1</a:t>
-            </a:r>
-            <a:endParaRPr/>
-          </a:p>
-          <a:p>
-            <a:r>
-              <a:rPr lang="en-US" sz="1000">
-                <a:latin typeface="Liberation Mono;Cumberland AMT;Cumberland;Courier New;Cousine;Nimbus Mono L;DejaVu Sans Mono;Courier;Lucida Sans Typewriter;Lucida Typewriter;Monaco;Monospaced"/>
-              </a:rPr>
-              <a:t>voip</a:t>
-            </a:r>
-            <a:endParaRPr/>
-          </a:p>
-          <a:p>
-            <a:r>
-              <a:rPr lang="en-US" sz="1000">
-                <a:latin typeface="Liberation Mono;Cumberland AMT;Cumberland;Courier New;Cousine;Nimbus Mono L;DejaVu Sans Mono;Courier;Lucida Sans Typewriter;Lucida Typewriter;Monaco;Monospaced"/>
-              </a:rPr>
-              <a:t>thu 03</a:t>
-            </a:r>
-            <a:endParaRPr/>
-          </a:p>
-          <a:p>
-            <a:r>
-              <a:rPr lang="en-US" sz="1000">
-                <a:latin typeface="Liberation Mono;Cumberland AMT;Cumberland;Courier New;Cousine;Nimbus Mono L;DejaVu Sans Mono;Courier;Lucida Sans Typewriter;Lucida Typewriter;Monaco;Monospaced"/>
-              </a:rPr>
-              <a:t>hosts</a:t>
-            </a:r>
-            <a:endParaRPr/>
-          </a:p>
-          <a:p>
-            <a:r>
-              <a:rPr lang="en-US" sz="1000">
-                <a:latin typeface="Liberation Mono;Cumberland AMT;Cumberland;Courier New;Cousine;Nimbus Mono L;DejaVu Sans Mono;Courier;Lucida Sans Typewriter;Lucida Typewriter;Monaco;Monospaced"/>
-              </a:rPr>
-              <a:t> </a:t>
-            </a:r>
-            <a:endParaRPr/>
-          </a:p>
-        </p:txBody>
-      </p:sp>
+            <a:off x="365760" y="3200400"/>
+            <a:ext cx="4754880" cy="1188720"/>
+          </a:xfrm>
+          <a:prstGeom prst="rect">
+            <a:avLst/>
+          </a:prstGeom>
+        </p:spPr>
+        <p:txBody>
+          <a:bodyPr lIns="0" rIns="0" tIns="0" bIns="0"/>
+          <a:p>
+            <a:pPr>
+              <a:buSzPct val="45000"/>
+              <a:buFont typeface="StarSymbol"/>
+              <a:buChar char=""/>
+            </a:pPr>
+            <a:r>
+              <a:rPr lang="en-US" sz="3200">
+                <a:latin typeface="Arial"/>
+              </a:rPr>
+              <a:t>Search Query to </a:t>
+            </a:r>
+            <a:endParaRPr/>
+          </a:p>
+          <a:p>
+            <a:pPr>
+              <a:buSzPct val="45000"/>
+              <a:buFont typeface="StarSymbol"/>
+              <a:buChar char=""/>
+            </a:pPr>
+            <a:r>
+              <a:rPr lang="en-US" sz="3200">
+                <a:latin typeface="Arial"/>
+              </a:rPr>
+              <a:t>Document Recommendation</a:t>
+            </a:r>
+            <a:endParaRPr/>
+          </a:p>
+        </p:txBody>
+      </p:sp>
+      <p:pic>
+        <p:nvPicPr>
+          <p:cNvPr id="57" name="" descr=""/>
+          <p:cNvPicPr/>
+          <p:nvPr/>
+        </p:nvPicPr>
+        <p:blipFill>
+          <a:blip r:embed="rId1"/>
+          <a:stretch>
+            <a:fillRect/>
+          </a:stretch>
+        </p:blipFill>
+        <p:spPr>
+          <a:xfrm>
+            <a:off x="4937760" y="1463040"/>
+            <a:ext cx="4824720" cy="2194560"/>
+          </a:xfrm>
+          <a:prstGeom prst="rect">
+            <a:avLst/>
+          </a:prstGeom>
+          <a:ln>
+            <a:noFill/>
+          </a:ln>
+        </p:spPr>
+      </p:pic>
     </p:spTree>
   </p:cSld>
   <p:timing>
     <p:tnLst>
       <p:par>
-        <p:cTn id="7" dur="indefinite" restart="never" nodeType="tmRoot">
+        <p:cTn id="9" dur="indefinite" restart="never" nodeType="tmRoot">
           <p:childTnLst>
             <p:seq>
-              <p:cTn id="8" nodeType="mainSeq"/>
+              <p:cTn id="10" nodeType="mainSeq"/>
+              <p:prevCondLst>
+                <p:cond delay="0" evt="onPrev">
+                  <p:tgtEl>
+                    <p:sldTgt/>
+                  </p:tgtEl>
+                </p:cond>
+              </p:prevCondLst>
+              <p:nextCondLst>
+                <p:cond delay="0" evt="onNext">
+                  <p:tgtEl>
+                    <p:sldTgt/>
+                  </p:tgtEl>
+                </p:cond>
+              </p:nextCondLst>
+            </p:seq>
+          </p:childTnLst>
+        </p:cTn>
+      </p:par>
+    </p:tnLst>
+  </p:timing>
+</p:sld>
+</file>
+
+<file path=ppt/slides/slide6.xml><?xml version="1.0" encoding="utf-8"?>
+<p:sld xmlns:a="http://schemas.openxmlformats.org/drawingml/2006/main" xmlns:p="http://schemas.openxmlformats.org/presentationml/2006/main" xmlns:r="http://schemas.openxmlformats.org/officeDocument/2006/relationships">
+  <p:cSld>
+    <p:spTree>
+      <p:nvGrpSpPr>
+        <p:cNvPr id="1" name=""/>
+        <p:cNvGrpSpPr/>
+        <p:nvPr/>
+      </p:nvGrpSpPr>
+      <p:grpSpPr>
+        <a:xfrm>
+          <a:off x="0" y="0"/>
+          <a:ext cx="0" cy="0"/>
+          <a:chOff x="0" y="0"/>
+          <a:chExt cx="0" cy="0"/>
+        </a:xfrm>
+      </p:grpSpPr>
+      <p:sp>
+        <p:nvSpPr>
+          <p:cNvPr id="58" name="TextShape 1"/>
+          <p:cNvSpPr txBox="1"/>
+          <p:nvPr/>
+        </p:nvSpPr>
+        <p:spPr>
+          <a:xfrm>
+            <a:off x="504000" y="301320"/>
+            <a:ext cx="9071640" cy="1262160"/>
+          </a:xfrm>
+          <a:prstGeom prst="rect">
+            <a:avLst/>
+          </a:prstGeom>
+        </p:spPr>
+        <p:txBody>
+          <a:bodyPr lIns="0" rIns="0" tIns="0" bIns="0" anchor="ctr"/>
+          <a:p>
+            <a:pPr algn="ctr"/>
+            <a:r>
+              <a:rPr lang="en-US" sz="4400">
+                <a:latin typeface="Arial"/>
+              </a:rPr>
+              <a:t>Recommendation </a:t>
+            </a:r>
+            <a:endParaRPr/>
+          </a:p>
+        </p:txBody>
+      </p:sp>
+      <p:sp>
+        <p:nvSpPr>
+          <p:cNvPr id="59" name="CustomShape 2"/>
+          <p:cNvSpPr/>
+          <p:nvPr/>
+        </p:nvSpPr>
+        <p:spPr>
+          <a:xfrm>
+            <a:off x="2377440" y="3546720"/>
+            <a:ext cx="2743200" cy="822960"/>
+          </a:xfrm>
+          <a:prstGeom prst="rect">
+            <a:avLst/>
+          </a:prstGeom>
+          <a:solidFill>
+            <a:srgbClr val="729fcf"/>
+          </a:solidFill>
+          <a:ln>
+            <a:solidFill>
+              <a:srgbClr val="3465a4"/>
+            </a:solidFill>
+          </a:ln>
+        </p:spPr>
+        <p:txBody>
+          <a:bodyPr wrap="none" lIns="90000" rIns="90000" tIns="45000" bIns="45000" anchor="ctr"/>
+          <a:p>
+            <a:pPr algn="ctr"/>
+            <a:r>
+              <a:rPr lang="en-US" sz="1500">
+                <a:latin typeface="Arial"/>
+              </a:rPr>
+              <a:t>TFIDF + Latent Semantic Analysis</a:t>
+            </a:r>
+            <a:endParaRPr/>
+          </a:p>
+          <a:p>
+            <a:pPr algn="ctr"/>
+            <a:r>
+              <a:rPr lang="en-US">
+                <a:latin typeface="Arial"/>
+              </a:rPr>
+              <a:t>(Python/</a:t>
+            </a:r>
+            <a:r>
+              <a:rPr i="1" lang="en-US">
+                <a:latin typeface="Arial"/>
+              </a:rPr>
+              <a:t>Spark</a:t>
+            </a:r>
+            <a:r>
+              <a:rPr lang="en-US">
+                <a:latin typeface="Arial"/>
+              </a:rPr>
+              <a:t>)</a:t>
+            </a:r>
+            <a:endParaRPr/>
+          </a:p>
+        </p:txBody>
+      </p:sp>
+      <p:sp>
+        <p:nvSpPr>
+          <p:cNvPr id="60" name="TextShape 3"/>
+          <p:cNvSpPr txBox="1"/>
+          <p:nvPr/>
+        </p:nvSpPr>
+        <p:spPr>
+          <a:xfrm>
+            <a:off x="6766560" y="6198480"/>
+            <a:ext cx="3211920" cy="346320"/>
+          </a:xfrm>
+          <a:prstGeom prst="rect">
+            <a:avLst/>
+          </a:prstGeom>
+        </p:spPr>
+        <p:txBody>
+          <a:bodyPr lIns="90000" rIns="90000" tIns="45000" bIns="45000"/>
+          <a:p>
+            <a:r>
+              <a:rPr lang="en-US">
+                <a:latin typeface="Arial"/>
+              </a:rPr>
+              <a:t>Italics – Partially Implemented</a:t>
+            </a:r>
+            <a:endParaRPr/>
+          </a:p>
+        </p:txBody>
+      </p:sp>
+      <p:sp>
+        <p:nvSpPr>
+          <p:cNvPr id="61" name="TextShape 4"/>
+          <p:cNvSpPr txBox="1"/>
+          <p:nvPr/>
+        </p:nvSpPr>
+        <p:spPr>
+          <a:xfrm>
+            <a:off x="182880" y="3363840"/>
+            <a:ext cx="2103120" cy="602280"/>
+          </a:xfrm>
+          <a:prstGeom prst="rect">
+            <a:avLst/>
+          </a:prstGeom>
+        </p:spPr>
+        <p:txBody>
+          <a:bodyPr lIns="90000" rIns="90000" tIns="45000" bIns="45000"/>
+          <a:p>
+            <a:r>
+              <a:rPr lang="en-US">
+                <a:latin typeface="Arial"/>
+              </a:rPr>
+              <a:t>Historical CSC Discussions</a:t>
+            </a:r>
+            <a:endParaRPr/>
+          </a:p>
+        </p:txBody>
+      </p:sp>
+      <p:sp>
+        <p:nvSpPr>
+          <p:cNvPr id="62" name="TextShape 5"/>
+          <p:cNvSpPr txBox="1"/>
+          <p:nvPr/>
+        </p:nvSpPr>
+        <p:spPr>
+          <a:xfrm>
+            <a:off x="182880" y="4133160"/>
+            <a:ext cx="2103120" cy="602280"/>
+          </a:xfrm>
+          <a:prstGeom prst="rect">
+            <a:avLst/>
+          </a:prstGeom>
+        </p:spPr>
+        <p:txBody>
+          <a:bodyPr lIns="90000" rIns="90000" tIns="45000" bIns="45000"/>
+          <a:p>
+            <a:r>
+              <a:rPr lang="en-US">
+                <a:latin typeface="Arial"/>
+              </a:rPr>
+              <a:t>Historical Tech Zone Articles</a:t>
+            </a:r>
+            <a:endParaRPr/>
+          </a:p>
+        </p:txBody>
+      </p:sp>
+      <p:sp>
+        <p:nvSpPr>
+          <p:cNvPr id="63" name="CustomShape 6"/>
+          <p:cNvSpPr/>
+          <p:nvPr/>
+        </p:nvSpPr>
+        <p:spPr>
+          <a:xfrm>
+            <a:off x="5852160" y="3546720"/>
+            <a:ext cx="1463040" cy="822960"/>
+          </a:xfrm>
+          <a:prstGeom prst="rect">
+            <a:avLst/>
+          </a:prstGeom>
+          <a:solidFill>
+            <a:srgbClr val="729fcf"/>
+          </a:solidFill>
+          <a:ln>
+            <a:solidFill>
+              <a:srgbClr val="3465a4"/>
+            </a:solidFill>
+          </a:ln>
+        </p:spPr>
+        <p:txBody>
+          <a:bodyPr wrap="none" lIns="90000" rIns="90000" tIns="45000" bIns="45000" anchor="ctr"/>
+          <a:p>
+            <a:pPr algn="ctr"/>
+            <a:r>
+              <a:rPr i="1" lang="en-US">
+                <a:latin typeface="Arial"/>
+              </a:rPr>
+              <a:t>Solr</a:t>
+            </a:r>
+            <a:endParaRPr/>
+          </a:p>
+        </p:txBody>
+      </p:sp>
+      <p:sp>
+        <p:nvSpPr>
+          <p:cNvPr id="64" name="Line 7"/>
+          <p:cNvSpPr/>
+          <p:nvPr/>
+        </p:nvSpPr>
+        <p:spPr>
+          <a:xfrm flipH="1">
+            <a:off x="7315200" y="4003920"/>
+            <a:ext cx="914400" cy="0"/>
+          </a:xfrm>
+          <a:prstGeom prst="line">
+            <a:avLst/>
+          </a:prstGeom>
+          <a:ln>
+            <a:solidFill>
+              <a:srgbClr val="000000"/>
+            </a:solidFill>
+            <a:tailEnd len="med" type="triangle" w="med"/>
+          </a:ln>
+        </p:spPr>
+      </p:sp>
+      <p:sp>
+        <p:nvSpPr>
+          <p:cNvPr id="65" name="Line 8"/>
+          <p:cNvSpPr/>
+          <p:nvPr/>
+        </p:nvSpPr>
+        <p:spPr>
+          <a:xfrm>
+            <a:off x="5120640" y="3912480"/>
+            <a:ext cx="731520" cy="0"/>
+          </a:xfrm>
+          <a:prstGeom prst="line">
+            <a:avLst/>
+          </a:prstGeom>
+          <a:ln>
+            <a:solidFill>
+              <a:srgbClr val="000000"/>
+            </a:solidFill>
+            <a:tailEnd len="med" type="triangle" w="med"/>
+          </a:ln>
+        </p:spPr>
+      </p:sp>
+      <p:sp>
+        <p:nvSpPr>
+          <p:cNvPr id="66" name="Line 9"/>
+          <p:cNvSpPr/>
+          <p:nvPr/>
+        </p:nvSpPr>
+        <p:spPr>
+          <a:xfrm flipV="1">
+            <a:off x="1737360" y="4003920"/>
+            <a:ext cx="640080" cy="457200"/>
+          </a:xfrm>
+          <a:prstGeom prst="line">
+            <a:avLst/>
+          </a:prstGeom>
+          <a:ln>
+            <a:solidFill>
+              <a:srgbClr val="000000"/>
+            </a:solidFill>
+            <a:tailEnd len="med" type="triangle" w="med"/>
+          </a:ln>
+        </p:spPr>
+      </p:sp>
+      <p:sp>
+        <p:nvSpPr>
+          <p:cNvPr id="67" name="Line 10"/>
+          <p:cNvSpPr/>
+          <p:nvPr/>
+        </p:nvSpPr>
+        <p:spPr>
+          <a:xfrm>
+            <a:off x="1737360" y="3729600"/>
+            <a:ext cx="640080" cy="274320"/>
+          </a:xfrm>
+          <a:prstGeom prst="line">
+            <a:avLst/>
+          </a:prstGeom>
+          <a:ln>
+            <a:solidFill>
+              <a:srgbClr val="000000"/>
+            </a:solidFill>
+            <a:tailEnd len="med" type="triangle" w="med"/>
+          </a:ln>
+        </p:spPr>
+      </p:sp>
+      <p:sp>
+        <p:nvSpPr>
+          <p:cNvPr id="68" name="TextShape 11"/>
+          <p:cNvSpPr txBox="1"/>
+          <p:nvPr/>
+        </p:nvSpPr>
+        <p:spPr>
+          <a:xfrm>
+            <a:off x="7666560" y="3401640"/>
+            <a:ext cx="2413440" cy="602280"/>
+          </a:xfrm>
+          <a:prstGeom prst="rect">
+            <a:avLst/>
+          </a:prstGeom>
+        </p:spPr>
+        <p:txBody>
+          <a:bodyPr lIns="90000" rIns="90000" tIns="45000" bIns="45000"/>
+          <a:p>
+            <a:r>
+              <a:rPr lang="en-US">
+                <a:latin typeface="Arial"/>
+              </a:rPr>
+              <a:t>Query terms or web page visits</a:t>
+            </a:r>
+            <a:endParaRPr/>
+          </a:p>
+        </p:txBody>
+      </p:sp>
+      <p:sp>
+        <p:nvSpPr>
+          <p:cNvPr id="69" name="Line 12"/>
+          <p:cNvSpPr/>
+          <p:nvPr/>
+        </p:nvSpPr>
+        <p:spPr>
+          <a:xfrm>
+            <a:off x="7406640" y="4003920"/>
+            <a:ext cx="1005840" cy="914400"/>
+          </a:xfrm>
+          <a:prstGeom prst="line">
+            <a:avLst/>
+          </a:prstGeom>
+          <a:ln>
+            <a:solidFill>
+              <a:srgbClr val="000000"/>
+            </a:solidFill>
+            <a:tailEnd len="med" type="triangle" w="med"/>
+          </a:ln>
+        </p:spPr>
+      </p:sp>
+      <p:sp>
+        <p:nvSpPr>
+          <p:cNvPr id="70" name="TextShape 13"/>
+          <p:cNvSpPr txBox="1"/>
+          <p:nvPr/>
+        </p:nvSpPr>
+        <p:spPr>
+          <a:xfrm>
+            <a:off x="7498080" y="4918320"/>
+            <a:ext cx="2500200" cy="602280"/>
+          </a:xfrm>
+          <a:prstGeom prst="rect">
+            <a:avLst/>
+          </a:prstGeom>
+        </p:spPr>
+        <p:txBody>
+          <a:bodyPr lIns="90000" rIns="90000" tIns="45000" bIns="45000"/>
+          <a:p>
+            <a:r>
+              <a:rPr lang="en-US">
+                <a:latin typeface="Arial"/>
+              </a:rPr>
+              <a:t>Similar Resolved CSC,</a:t>
+            </a:r>
+            <a:endParaRPr/>
+          </a:p>
+          <a:p>
+            <a:endParaRPr/>
+          </a:p>
+        </p:txBody>
+      </p:sp>
+      <p:sp>
+        <p:nvSpPr>
+          <p:cNvPr id="71" name="TextShape 14"/>
+          <p:cNvSpPr txBox="1"/>
+          <p:nvPr/>
+        </p:nvSpPr>
+        <p:spPr>
+          <a:xfrm>
+            <a:off x="3897360" y="3017520"/>
+            <a:ext cx="3692160" cy="346320"/>
+          </a:xfrm>
+          <a:prstGeom prst="rect">
+            <a:avLst/>
+          </a:prstGeom>
+        </p:spPr>
+        <p:txBody>
+          <a:bodyPr lIns="90000" rIns="90000" tIns="45000" bIns="45000"/>
+          <a:p>
+            <a:r>
+              <a:rPr lang="en-US">
+                <a:latin typeface="Arial"/>
+              </a:rPr>
+              <a:t>Text, Concept, Document Weights </a:t>
+            </a:r>
+            <a:endParaRPr/>
+          </a:p>
+        </p:txBody>
+      </p:sp>
+      <p:sp>
+        <p:nvSpPr>
+          <p:cNvPr id="72" name="TextShape 15"/>
+          <p:cNvSpPr txBox="1"/>
+          <p:nvPr/>
+        </p:nvSpPr>
+        <p:spPr>
+          <a:xfrm>
+            <a:off x="271800" y="1920240"/>
+            <a:ext cx="4583520" cy="433440"/>
+          </a:xfrm>
+          <a:prstGeom prst="rect">
+            <a:avLst/>
+          </a:prstGeom>
+        </p:spPr>
+        <p:txBody>
+          <a:bodyPr lIns="90000" rIns="90000" tIns="45000" bIns="45000"/>
+          <a:p>
+            <a:r>
+              <a:rPr lang="en-US" sz="2400">
+                <a:latin typeface="Arial"/>
+              </a:rPr>
+              <a:t>Bring the solution to Large Scale</a:t>
+            </a:r>
+            <a:endParaRPr/>
+          </a:p>
+        </p:txBody>
+      </p:sp>
+    </p:spTree>
+  </p:cSld>
+  <p:timing>
+    <p:tnLst>
+      <p:par>
+        <p:cTn id="11" dur="indefinite" restart="never" nodeType="tmRoot">
+          <p:childTnLst>
+            <p:seq>
+              <p:cTn id="12" nodeType="mainSeq"/>
               <p:prevCondLst>
                 <p:cond delay="0" evt="onPrev">
                   <p:tgtEl>
